--- a/layout.pptx
+++ b/layout.pptx
@@ -9,6 +9,8 @@
     <p:sldId id="257" r:id="rId3"/>
     <p:sldId id="258" r:id="rId4"/>
     <p:sldId id="260" r:id="rId5"/>
+    <p:sldId id="261" r:id="rId6"/>
+    <p:sldId id="262" r:id="rId7"/>
   </p:sldIdLst>
   <p:sldSz cx="12192000" cy="6858000"/>
   <p:notesSz cx="6858000" cy="9144000"/>
@@ -262,7 +264,7 @@
           <a:p>
             <a:fld id="{4DCC0E44-0C81-498F-A0CF-DA3DA3ADE21E}" type="datetimeFigureOut">
               <a:rPr lang="ko-KR" altLang="en-US" smtClean="0"/>
-              <a:t>2019-07-30</a:t>
+              <a:t>2019-08-05</a:t>
             </a:fld>
             <a:endParaRPr lang="ko-KR" altLang="en-US"/>
           </a:p>
@@ -460,7 +462,7 @@
           <a:p>
             <a:fld id="{4DCC0E44-0C81-498F-A0CF-DA3DA3ADE21E}" type="datetimeFigureOut">
               <a:rPr lang="ko-KR" altLang="en-US" smtClean="0"/>
-              <a:t>2019-07-30</a:t>
+              <a:t>2019-08-05</a:t>
             </a:fld>
             <a:endParaRPr lang="ko-KR" altLang="en-US"/>
           </a:p>
@@ -668,7 +670,7 @@
           <a:p>
             <a:fld id="{4DCC0E44-0C81-498F-A0CF-DA3DA3ADE21E}" type="datetimeFigureOut">
               <a:rPr lang="ko-KR" altLang="en-US" smtClean="0"/>
-              <a:t>2019-07-30</a:t>
+              <a:t>2019-08-05</a:t>
             </a:fld>
             <a:endParaRPr lang="ko-KR" altLang="en-US"/>
           </a:p>
@@ -866,7 +868,7 @@
           <a:p>
             <a:fld id="{4DCC0E44-0C81-498F-A0CF-DA3DA3ADE21E}" type="datetimeFigureOut">
               <a:rPr lang="ko-KR" altLang="en-US" smtClean="0"/>
-              <a:t>2019-07-30</a:t>
+              <a:t>2019-08-05</a:t>
             </a:fld>
             <a:endParaRPr lang="ko-KR" altLang="en-US"/>
           </a:p>
@@ -1141,7 +1143,7 @@
           <a:p>
             <a:fld id="{4DCC0E44-0C81-498F-A0CF-DA3DA3ADE21E}" type="datetimeFigureOut">
               <a:rPr lang="ko-KR" altLang="en-US" smtClean="0"/>
-              <a:t>2019-07-30</a:t>
+              <a:t>2019-08-05</a:t>
             </a:fld>
             <a:endParaRPr lang="ko-KR" altLang="en-US"/>
           </a:p>
@@ -1406,7 +1408,7 @@
           <a:p>
             <a:fld id="{4DCC0E44-0C81-498F-A0CF-DA3DA3ADE21E}" type="datetimeFigureOut">
               <a:rPr lang="ko-KR" altLang="en-US" smtClean="0"/>
-              <a:t>2019-07-30</a:t>
+              <a:t>2019-08-05</a:t>
             </a:fld>
             <a:endParaRPr lang="ko-KR" altLang="en-US"/>
           </a:p>
@@ -1818,7 +1820,7 @@
           <a:p>
             <a:fld id="{4DCC0E44-0C81-498F-A0CF-DA3DA3ADE21E}" type="datetimeFigureOut">
               <a:rPr lang="ko-KR" altLang="en-US" smtClean="0"/>
-              <a:t>2019-07-30</a:t>
+              <a:t>2019-08-05</a:t>
             </a:fld>
             <a:endParaRPr lang="ko-KR" altLang="en-US"/>
           </a:p>
@@ -1959,7 +1961,7 @@
           <a:p>
             <a:fld id="{4DCC0E44-0C81-498F-A0CF-DA3DA3ADE21E}" type="datetimeFigureOut">
               <a:rPr lang="ko-KR" altLang="en-US" smtClean="0"/>
-              <a:t>2019-07-30</a:t>
+              <a:t>2019-08-05</a:t>
             </a:fld>
             <a:endParaRPr lang="ko-KR" altLang="en-US"/>
           </a:p>
@@ -2072,7 +2074,7 @@
           <a:p>
             <a:fld id="{4DCC0E44-0C81-498F-A0CF-DA3DA3ADE21E}" type="datetimeFigureOut">
               <a:rPr lang="ko-KR" altLang="en-US" smtClean="0"/>
-              <a:t>2019-07-30</a:t>
+              <a:t>2019-08-05</a:t>
             </a:fld>
             <a:endParaRPr lang="ko-KR" altLang="en-US"/>
           </a:p>
@@ -2383,7 +2385,7 @@
           <a:p>
             <a:fld id="{4DCC0E44-0C81-498F-A0CF-DA3DA3ADE21E}" type="datetimeFigureOut">
               <a:rPr lang="ko-KR" altLang="en-US" smtClean="0"/>
-              <a:t>2019-07-30</a:t>
+              <a:t>2019-08-05</a:t>
             </a:fld>
             <a:endParaRPr lang="ko-KR" altLang="en-US"/>
           </a:p>
@@ -2671,7 +2673,7 @@
           <a:p>
             <a:fld id="{4DCC0E44-0C81-498F-A0CF-DA3DA3ADE21E}" type="datetimeFigureOut">
               <a:rPr lang="ko-KR" altLang="en-US" smtClean="0"/>
-              <a:t>2019-07-30</a:t>
+              <a:t>2019-08-05</a:t>
             </a:fld>
             <a:endParaRPr lang="ko-KR" altLang="en-US"/>
           </a:p>
@@ -2912,7 +2914,7 @@
           <a:p>
             <a:fld id="{4DCC0E44-0C81-498F-A0CF-DA3DA3ADE21E}" type="datetimeFigureOut">
               <a:rPr lang="ko-KR" altLang="en-US" smtClean="0"/>
-              <a:t>2019-07-30</a:t>
+              <a:t>2019-08-05</a:t>
             </a:fld>
             <a:endParaRPr lang="ko-KR" altLang="en-US"/>
           </a:p>
@@ -5112,28 +5114,321 @@
           </a:p>
         </p:txBody>
       </p:sp>
-      <p:sp>
-        <p:nvSpPr>
-          <p:cNvPr id="14" name="TextBox 13">
-            <a:extLst>
-              <a:ext uri="{FF2B5EF4-FFF2-40B4-BE49-F238E27FC236}">
-                <a16:creationId xmlns:a16="http://schemas.microsoft.com/office/drawing/2014/main" id="{85161C69-4A25-4588-A5FD-E86B7FF1FF60}"/>
-              </a:ext>
-            </a:extLst>
-          </p:cNvPr>
-          <p:cNvSpPr txBox="1"/>
+    </p:spTree>
+    <p:extLst>
+      <p:ext uri="{BB962C8B-B14F-4D97-AF65-F5344CB8AC3E}">
+        <p14:creationId xmlns:p14="http://schemas.microsoft.com/office/powerpoint/2010/main" val="3176946021"/>
+      </p:ext>
+    </p:extLst>
+  </p:cSld>
+  <p:clrMapOvr>
+    <a:masterClrMapping/>
+  </p:clrMapOvr>
+</p:sld>
+</file>
+
+<file path=ppt/slides/slide5.xml><?xml version="1.0" encoding="utf-8"?>
+<p:sld xmlns:a="http://schemas.openxmlformats.org/drawingml/2006/main" xmlns:r="http://schemas.openxmlformats.org/officeDocument/2006/relationships" xmlns:p="http://schemas.openxmlformats.org/presentationml/2006/main">
+  <p:cSld>
+    <p:spTree>
+      <p:nvGrpSpPr>
+        <p:cNvPr id="1" name=""/>
+        <p:cNvGrpSpPr/>
+        <p:nvPr/>
+      </p:nvGrpSpPr>
+      <p:grpSpPr>
+        <a:xfrm>
+          <a:off x="0" y="0"/>
+          <a:ext cx="0" cy="0"/>
+          <a:chOff x="0" y="0"/>
+          <a:chExt cx="0" cy="0"/>
+        </a:xfrm>
+      </p:grpSpPr>
+      <p:sp>
+        <p:nvSpPr>
+          <p:cNvPr id="4" name="직사각형 3">
+            <a:extLst>
+              <a:ext uri="{FF2B5EF4-FFF2-40B4-BE49-F238E27FC236}">
+                <a16:creationId xmlns:a16="http://schemas.microsoft.com/office/drawing/2014/main" id="{730F9B92-6FDE-4BE1-AA1A-F3B46A9C2A2E}"/>
+              </a:ext>
+            </a:extLst>
+          </p:cNvPr>
+          <p:cNvSpPr/>
           <p:nvPr/>
         </p:nvSpPr>
         <p:spPr>
           <a:xfrm>
-            <a:off x="73152" y="997417"/>
-            <a:ext cx="4015843" cy="1384995"/>
+            <a:off x="2307336" y="283357"/>
+            <a:ext cx="7589520" cy="960120"/>
+          </a:xfrm>
+          <a:prstGeom prst="rect">
+            <a:avLst/>
+          </a:prstGeom>
+          <a:solidFill>
+            <a:schemeClr val="tx1">
+              <a:lumMod val="85000"/>
+              <a:lumOff val="15000"/>
+            </a:schemeClr>
+          </a:solidFill>
+        </p:spPr>
+        <p:style>
+          <a:lnRef idx="2">
+            <a:schemeClr val="accent1">
+              <a:shade val="50000"/>
+            </a:schemeClr>
+          </a:lnRef>
+          <a:fillRef idx="1">
+            <a:schemeClr val="accent1"/>
+          </a:fillRef>
+          <a:effectRef idx="0">
+            <a:schemeClr val="accent1"/>
+          </a:effectRef>
+          <a:fontRef idx="minor">
+            <a:schemeClr val="lt1"/>
+          </a:fontRef>
+        </p:style>
+        <p:txBody>
+          <a:bodyPr rtlCol="0" anchor="ctr"/>
+          <a:lstStyle/>
+          <a:p>
+            <a:pPr algn="ctr"/>
+            <a:r>
+              <a:rPr lang="en-US" altLang="ko-KR" sz="2400" dirty="0"/>
+              <a:t>header</a:t>
+            </a:r>
+            <a:endParaRPr lang="ko-KR" altLang="en-US" sz="2400" dirty="0"/>
+          </a:p>
+        </p:txBody>
+      </p:sp>
+      <p:sp>
+        <p:nvSpPr>
+          <p:cNvPr id="5" name="직사각형 4">
+            <a:extLst>
+              <a:ext uri="{FF2B5EF4-FFF2-40B4-BE49-F238E27FC236}">
+                <a16:creationId xmlns:a16="http://schemas.microsoft.com/office/drawing/2014/main" id="{CF4D01B9-9BCE-40C7-985A-5818FB3AB625}"/>
+              </a:ext>
+            </a:extLst>
+          </p:cNvPr>
+          <p:cNvSpPr/>
+          <p:nvPr/>
+        </p:nvSpPr>
+        <p:spPr>
+          <a:xfrm>
+            <a:off x="2307336" y="1723644"/>
+            <a:ext cx="1972056" cy="3698748"/>
+          </a:xfrm>
+          <a:prstGeom prst="rect">
+            <a:avLst/>
+          </a:prstGeom>
+        </p:spPr>
+        <p:style>
+          <a:lnRef idx="2">
+            <a:schemeClr val="accent1">
+              <a:shade val="50000"/>
+            </a:schemeClr>
+          </a:lnRef>
+          <a:fillRef idx="1">
+            <a:schemeClr val="accent1"/>
+          </a:fillRef>
+          <a:effectRef idx="0">
+            <a:schemeClr val="accent1"/>
+          </a:effectRef>
+          <a:fontRef idx="minor">
+            <a:schemeClr val="lt1"/>
+          </a:fontRef>
+        </p:style>
+        <p:txBody>
+          <a:bodyPr rtlCol="0" anchor="ctr"/>
+          <a:lstStyle/>
+          <a:p>
+            <a:pPr algn="ctr"/>
+            <a:r>
+              <a:rPr lang="en-US" altLang="ko-KR" sz="2400" dirty="0"/>
+              <a:t>left</a:t>
+            </a:r>
+            <a:endParaRPr lang="ko-KR" altLang="en-US" sz="2400" dirty="0"/>
+          </a:p>
+        </p:txBody>
+      </p:sp>
+      <p:sp>
+        <p:nvSpPr>
+          <p:cNvPr id="6" name="직사각형 5">
+            <a:extLst>
+              <a:ext uri="{FF2B5EF4-FFF2-40B4-BE49-F238E27FC236}">
+                <a16:creationId xmlns:a16="http://schemas.microsoft.com/office/drawing/2014/main" id="{189FF960-7208-4905-B0AB-B4C0B249235D}"/>
+              </a:ext>
+            </a:extLst>
+          </p:cNvPr>
+          <p:cNvSpPr/>
+          <p:nvPr/>
+        </p:nvSpPr>
+        <p:spPr>
+          <a:xfrm>
+            <a:off x="4264152" y="1723644"/>
+            <a:ext cx="5620512" cy="3698748"/>
+          </a:xfrm>
+          <a:prstGeom prst="rect">
+            <a:avLst/>
+          </a:prstGeom>
+          <a:solidFill>
+            <a:schemeClr val="bg2">
+              <a:lumMod val="25000"/>
+            </a:schemeClr>
+          </a:solidFill>
+        </p:spPr>
+        <p:style>
+          <a:lnRef idx="2">
+            <a:schemeClr val="accent1">
+              <a:shade val="50000"/>
+            </a:schemeClr>
+          </a:lnRef>
+          <a:fillRef idx="1">
+            <a:schemeClr val="accent1"/>
+          </a:fillRef>
+          <a:effectRef idx="0">
+            <a:schemeClr val="accent1"/>
+          </a:effectRef>
+          <a:fontRef idx="minor">
+            <a:schemeClr val="lt1"/>
+          </a:fontRef>
+        </p:style>
+        <p:txBody>
+          <a:bodyPr rtlCol="0" anchor="ctr"/>
+          <a:lstStyle/>
+          <a:p>
+            <a:pPr algn="ctr"/>
+            <a:r>
+              <a:rPr lang="en-US" altLang="ko-KR" sz="2400" dirty="0"/>
+              <a:t>contents</a:t>
+            </a:r>
+            <a:endParaRPr lang="ko-KR" altLang="en-US" sz="2400" dirty="0"/>
+          </a:p>
+        </p:txBody>
+      </p:sp>
+      <p:sp>
+        <p:nvSpPr>
+          <p:cNvPr id="7" name="직사각형 6">
+            <a:extLst>
+              <a:ext uri="{FF2B5EF4-FFF2-40B4-BE49-F238E27FC236}">
+                <a16:creationId xmlns:a16="http://schemas.microsoft.com/office/drawing/2014/main" id="{54004FFC-C831-462E-A4AB-2B66067C11D7}"/>
+              </a:ext>
+            </a:extLst>
+          </p:cNvPr>
+          <p:cNvSpPr/>
+          <p:nvPr/>
+        </p:nvSpPr>
+        <p:spPr>
+          <a:xfrm>
+            <a:off x="2321052" y="5422392"/>
+            <a:ext cx="7589520" cy="960120"/>
+          </a:xfrm>
+          <a:prstGeom prst="rect">
+            <a:avLst/>
+          </a:prstGeom>
+          <a:solidFill>
+            <a:schemeClr val="bg2">
+              <a:lumMod val="10000"/>
+            </a:schemeClr>
+          </a:solidFill>
+        </p:spPr>
+        <p:style>
+          <a:lnRef idx="2">
+            <a:schemeClr val="accent1">
+              <a:shade val="50000"/>
+            </a:schemeClr>
+          </a:lnRef>
+          <a:fillRef idx="1">
+            <a:schemeClr val="accent1"/>
+          </a:fillRef>
+          <a:effectRef idx="0">
+            <a:schemeClr val="accent1"/>
+          </a:effectRef>
+          <a:fontRef idx="minor">
+            <a:schemeClr val="lt1"/>
+          </a:fontRef>
+        </p:style>
+        <p:txBody>
+          <a:bodyPr rtlCol="0" anchor="ctr"/>
+          <a:lstStyle/>
+          <a:p>
+            <a:pPr algn="ctr"/>
+            <a:r>
+              <a:rPr lang="en-US" altLang="ko-KR" sz="2400" dirty="0"/>
+              <a:t>footer</a:t>
+            </a:r>
+            <a:endParaRPr lang="ko-KR" altLang="en-US" sz="2400" dirty="0"/>
+          </a:p>
+        </p:txBody>
+      </p:sp>
+      <p:sp>
+        <p:nvSpPr>
+          <p:cNvPr id="2" name="직사각형 1">
+            <a:extLst>
+              <a:ext uri="{FF2B5EF4-FFF2-40B4-BE49-F238E27FC236}">
+                <a16:creationId xmlns:a16="http://schemas.microsoft.com/office/drawing/2014/main" id="{1DA04FF0-19E6-44F6-9933-95576B66F89C}"/>
+              </a:ext>
+            </a:extLst>
+          </p:cNvPr>
+          <p:cNvSpPr/>
+          <p:nvPr/>
+        </p:nvSpPr>
+        <p:spPr>
+          <a:xfrm>
+            <a:off x="2304288" y="274320"/>
+            <a:ext cx="7589520" cy="6108192"/>
           </a:xfrm>
           <a:prstGeom prst="rect">
             <a:avLst/>
           </a:prstGeom>
           <a:noFill/>
         </p:spPr>
+        <p:style>
+          <a:lnRef idx="2">
+            <a:schemeClr val="accent1">
+              <a:shade val="50000"/>
+            </a:schemeClr>
+          </a:lnRef>
+          <a:fillRef idx="1">
+            <a:schemeClr val="accent1"/>
+          </a:fillRef>
+          <a:effectRef idx="0">
+            <a:schemeClr val="accent1"/>
+          </a:effectRef>
+          <a:fontRef idx="minor">
+            <a:schemeClr val="lt1"/>
+          </a:fontRef>
+        </p:style>
+        <p:txBody>
+          <a:bodyPr rtlCol="0" anchor="ctr"/>
+          <a:lstStyle/>
+          <a:p>
+            <a:pPr algn="ctr"/>
+            <a:endParaRPr lang="ko-KR" altLang="en-US"/>
+          </a:p>
+        </p:txBody>
+      </p:sp>
+      <p:sp>
+        <p:nvSpPr>
+          <p:cNvPr id="3" name="TextBox 2">
+            <a:extLst>
+              <a:ext uri="{FF2B5EF4-FFF2-40B4-BE49-F238E27FC236}">
+                <a16:creationId xmlns:a16="http://schemas.microsoft.com/office/drawing/2014/main" id="{6A9CF7D5-E840-4816-9D3B-DACE4808E70A}"/>
+              </a:ext>
+            </a:extLst>
+          </p:cNvPr>
+          <p:cNvSpPr txBox="1"/>
+          <p:nvPr/>
+        </p:nvSpPr>
+        <p:spPr>
+          <a:xfrm>
+            <a:off x="1325880" y="274320"/>
+            <a:ext cx="864339" cy="461665"/>
+          </a:xfrm>
+          <a:prstGeom prst="rect">
+            <a:avLst/>
+          </a:prstGeom>
+          <a:noFill/>
+        </p:spPr>
         <p:txBody>
           <a:bodyPr wrap="none" rtlCol="0">
             <a:spAutoFit/>
@@ -5141,54 +5436,578 @@
           <a:lstStyle/>
           <a:p>
             <a:r>
-              <a:rPr lang="en-US" altLang="ko-KR" sz="2800" dirty="0" smtClean="0"/>
-              <a:t>-- </a:t>
-            </a:r>
-            <a:r>
-              <a:rPr lang="ko-KR" altLang="en-US" sz="2800" dirty="0" smtClean="0"/>
-              <a:t>노란 </a:t>
-            </a:r>
-            <a:r>
-              <a:rPr lang="en-US" altLang="ko-KR" sz="2800" dirty="0" smtClean="0"/>
-              <a:t>box : class</a:t>
-            </a:r>
-          </a:p>
-          <a:p>
-            <a:r>
-              <a:rPr lang="en-US" altLang="ko-KR" sz="2800" smtClean="0"/>
-              <a:t>-- </a:t>
-            </a:r>
-            <a:r>
-              <a:rPr lang="ko-KR" altLang="en-US" sz="2800" smtClean="0"/>
-              <a:t>높이</a:t>
-            </a:r>
-            <a:r>
-              <a:rPr lang="en-US" altLang="ko-KR" sz="2800" dirty="0" smtClean="0"/>
-              <a:t>, </a:t>
-            </a:r>
-            <a:r>
-              <a:rPr lang="ko-KR" altLang="en-US" sz="2800" dirty="0" smtClean="0"/>
-              <a:t>여백</a:t>
-            </a:r>
-            <a:r>
-              <a:rPr lang="en-US" altLang="ko-KR" sz="2800" dirty="0" smtClean="0"/>
-              <a:t>, </a:t>
-            </a:r>
-            <a:r>
-              <a:rPr lang="ko-KR" altLang="en-US" sz="2800" dirty="0" smtClean="0"/>
-              <a:t>컬러 동일</a:t>
-            </a:r>
-            <a:endParaRPr lang="en-US" altLang="ko-KR" sz="2800" dirty="0" smtClean="0"/>
-          </a:p>
-          <a:p>
-            <a:endParaRPr lang="ko-KR" altLang="en-US" sz="2800" dirty="0"/>
+              <a:rPr lang="en-US" altLang="ko-KR" sz="2400" dirty="0"/>
+              <a:t>wrap</a:t>
+            </a:r>
+            <a:endParaRPr lang="ko-KR" altLang="en-US" sz="2400" dirty="0"/>
+          </a:p>
+        </p:txBody>
+      </p:sp>
+      <p:sp>
+        <p:nvSpPr>
+          <p:cNvPr id="14" name="직사각형 13">
+            <a:extLst>
+              <a:ext uri="{FF2B5EF4-FFF2-40B4-BE49-F238E27FC236}">
+                <a16:creationId xmlns:a16="http://schemas.microsoft.com/office/drawing/2014/main" id="{0079CE41-245E-491D-AEE9-C331F8E22EC2}"/>
+              </a:ext>
+            </a:extLst>
+          </p:cNvPr>
+          <p:cNvSpPr/>
+          <p:nvPr/>
+        </p:nvSpPr>
+        <p:spPr>
+          <a:xfrm>
+            <a:off x="5374386" y="434233"/>
+            <a:ext cx="1482852" cy="603504"/>
+          </a:xfrm>
+          <a:prstGeom prst="rect">
+            <a:avLst/>
+          </a:prstGeom>
+        </p:spPr>
+        <p:style>
+          <a:lnRef idx="2">
+            <a:schemeClr val="accent1">
+              <a:shade val="50000"/>
+            </a:schemeClr>
+          </a:lnRef>
+          <a:fillRef idx="1">
+            <a:schemeClr val="accent1"/>
+          </a:fillRef>
+          <a:effectRef idx="0">
+            <a:schemeClr val="accent1"/>
+          </a:effectRef>
+          <a:fontRef idx="minor">
+            <a:schemeClr val="lt1"/>
+          </a:fontRef>
+        </p:style>
+        <p:txBody>
+          <a:bodyPr rtlCol="0" anchor="ctr"/>
+          <a:lstStyle/>
+          <a:p>
+            <a:pPr algn="ctr"/>
+            <a:r>
+              <a:rPr lang="en-US" altLang="ko-KR" dirty="0"/>
+              <a:t>logo</a:t>
+            </a:r>
+            <a:endParaRPr lang="ko-KR" altLang="en-US" dirty="0"/>
+          </a:p>
+        </p:txBody>
+      </p:sp>
+      <p:sp>
+        <p:nvSpPr>
+          <p:cNvPr id="18" name="직사각형 17">
+            <a:extLst>
+              <a:ext uri="{FF2B5EF4-FFF2-40B4-BE49-F238E27FC236}">
+                <a16:creationId xmlns:a16="http://schemas.microsoft.com/office/drawing/2014/main" id="{B25BA974-E33A-416C-B749-835661F8A16A}"/>
+              </a:ext>
+            </a:extLst>
+          </p:cNvPr>
+          <p:cNvSpPr/>
+          <p:nvPr/>
+        </p:nvSpPr>
+        <p:spPr>
+          <a:xfrm>
+            <a:off x="2304288" y="1243477"/>
+            <a:ext cx="7606284" cy="480167"/>
+          </a:xfrm>
+          <a:prstGeom prst="rect">
+            <a:avLst/>
+          </a:prstGeom>
+        </p:spPr>
+        <p:style>
+          <a:lnRef idx="2">
+            <a:schemeClr val="accent1">
+              <a:shade val="50000"/>
+            </a:schemeClr>
+          </a:lnRef>
+          <a:fillRef idx="1">
+            <a:schemeClr val="accent1"/>
+          </a:fillRef>
+          <a:effectRef idx="0">
+            <a:schemeClr val="accent1"/>
+          </a:effectRef>
+          <a:fontRef idx="minor">
+            <a:schemeClr val="lt1"/>
+          </a:fontRef>
+        </p:style>
+        <p:txBody>
+          <a:bodyPr rtlCol="0" anchor="ctr"/>
+          <a:lstStyle/>
+          <a:p>
+            <a:pPr algn="ctr"/>
+            <a:r>
+              <a:rPr lang="en-US" altLang="ko-KR" dirty="0"/>
+              <a:t>Menu01   menu02    menu03   menu04   menu05</a:t>
+            </a:r>
+            <a:endParaRPr lang="ko-KR" altLang="en-US" dirty="0"/>
           </a:p>
         </p:txBody>
       </p:sp>
     </p:spTree>
     <p:extLst>
       <p:ext uri="{BB962C8B-B14F-4D97-AF65-F5344CB8AC3E}">
-        <p14:creationId xmlns:p14="http://schemas.microsoft.com/office/powerpoint/2010/main" val="3176946021"/>
+        <p14:creationId xmlns:p14="http://schemas.microsoft.com/office/powerpoint/2010/main" val="3860177458"/>
+      </p:ext>
+    </p:extLst>
+  </p:cSld>
+  <p:clrMapOvr>
+    <a:masterClrMapping/>
+  </p:clrMapOvr>
+</p:sld>
+</file>
+
+<file path=ppt/slides/slide6.xml><?xml version="1.0" encoding="utf-8"?>
+<p:sld xmlns:a="http://schemas.openxmlformats.org/drawingml/2006/main" xmlns:r="http://schemas.openxmlformats.org/officeDocument/2006/relationships" xmlns:p="http://schemas.openxmlformats.org/presentationml/2006/main">
+  <p:cSld>
+    <p:spTree>
+      <p:nvGrpSpPr>
+        <p:cNvPr id="1" name=""/>
+        <p:cNvGrpSpPr/>
+        <p:nvPr/>
+      </p:nvGrpSpPr>
+      <p:grpSpPr>
+        <a:xfrm>
+          <a:off x="0" y="0"/>
+          <a:ext cx="0" cy="0"/>
+          <a:chOff x="0" y="0"/>
+          <a:chExt cx="0" cy="0"/>
+        </a:xfrm>
+      </p:grpSpPr>
+      <p:sp>
+        <p:nvSpPr>
+          <p:cNvPr id="4" name="직사각형 3">
+            <a:extLst>
+              <a:ext uri="{FF2B5EF4-FFF2-40B4-BE49-F238E27FC236}">
+                <a16:creationId xmlns:a16="http://schemas.microsoft.com/office/drawing/2014/main" id="{730F9B92-6FDE-4BE1-AA1A-F3B46A9C2A2E}"/>
+              </a:ext>
+            </a:extLst>
+          </p:cNvPr>
+          <p:cNvSpPr/>
+          <p:nvPr/>
+        </p:nvSpPr>
+        <p:spPr>
+          <a:xfrm>
+            <a:off x="2307336" y="283357"/>
+            <a:ext cx="7589520" cy="960120"/>
+          </a:xfrm>
+          <a:prstGeom prst="rect">
+            <a:avLst/>
+          </a:prstGeom>
+          <a:solidFill>
+            <a:schemeClr val="tx1">
+              <a:lumMod val="85000"/>
+              <a:lumOff val="15000"/>
+            </a:schemeClr>
+          </a:solidFill>
+        </p:spPr>
+        <p:style>
+          <a:lnRef idx="2">
+            <a:schemeClr val="accent1">
+              <a:shade val="50000"/>
+            </a:schemeClr>
+          </a:lnRef>
+          <a:fillRef idx="1">
+            <a:schemeClr val="accent1"/>
+          </a:fillRef>
+          <a:effectRef idx="0">
+            <a:schemeClr val="accent1"/>
+          </a:effectRef>
+          <a:fontRef idx="minor">
+            <a:schemeClr val="lt1"/>
+          </a:fontRef>
+        </p:style>
+        <p:txBody>
+          <a:bodyPr rtlCol="0" anchor="ctr"/>
+          <a:lstStyle/>
+          <a:p>
+            <a:pPr algn="ctr"/>
+            <a:r>
+              <a:rPr lang="en-US" altLang="ko-KR" sz="2400" dirty="0"/>
+              <a:t>header</a:t>
+            </a:r>
+            <a:endParaRPr lang="ko-KR" altLang="en-US" sz="2400" dirty="0"/>
+          </a:p>
+        </p:txBody>
+      </p:sp>
+      <p:sp>
+        <p:nvSpPr>
+          <p:cNvPr id="5" name="직사각형 4">
+            <a:extLst>
+              <a:ext uri="{FF2B5EF4-FFF2-40B4-BE49-F238E27FC236}">
+                <a16:creationId xmlns:a16="http://schemas.microsoft.com/office/drawing/2014/main" id="{CF4D01B9-9BCE-40C7-985A-5818FB3AB625}"/>
+              </a:ext>
+            </a:extLst>
+          </p:cNvPr>
+          <p:cNvSpPr/>
+          <p:nvPr/>
+        </p:nvSpPr>
+        <p:spPr>
+          <a:xfrm>
+            <a:off x="2307336" y="1723644"/>
+            <a:ext cx="1972056" cy="3698748"/>
+          </a:xfrm>
+          <a:prstGeom prst="rect">
+            <a:avLst/>
+          </a:prstGeom>
+        </p:spPr>
+        <p:style>
+          <a:lnRef idx="2">
+            <a:schemeClr val="accent1">
+              <a:shade val="50000"/>
+            </a:schemeClr>
+          </a:lnRef>
+          <a:fillRef idx="1">
+            <a:schemeClr val="accent1"/>
+          </a:fillRef>
+          <a:effectRef idx="0">
+            <a:schemeClr val="accent1"/>
+          </a:effectRef>
+          <a:fontRef idx="minor">
+            <a:schemeClr val="lt1"/>
+          </a:fontRef>
+        </p:style>
+        <p:txBody>
+          <a:bodyPr rtlCol="0" anchor="ctr"/>
+          <a:lstStyle/>
+          <a:p>
+            <a:pPr algn="ctr"/>
+            <a:r>
+              <a:rPr lang="en-US" altLang="ko-KR" sz="2400" dirty="0"/>
+              <a:t>left</a:t>
+            </a:r>
+            <a:endParaRPr lang="ko-KR" altLang="en-US" sz="2400" dirty="0"/>
+          </a:p>
+        </p:txBody>
+      </p:sp>
+      <p:sp>
+        <p:nvSpPr>
+          <p:cNvPr id="6" name="직사각형 5">
+            <a:extLst>
+              <a:ext uri="{FF2B5EF4-FFF2-40B4-BE49-F238E27FC236}">
+                <a16:creationId xmlns:a16="http://schemas.microsoft.com/office/drawing/2014/main" id="{189FF960-7208-4905-B0AB-B4C0B249235D}"/>
+              </a:ext>
+            </a:extLst>
+          </p:cNvPr>
+          <p:cNvSpPr/>
+          <p:nvPr/>
+        </p:nvSpPr>
+        <p:spPr>
+          <a:xfrm>
+            <a:off x="4264152" y="1723644"/>
+            <a:ext cx="5620512" cy="3698748"/>
+          </a:xfrm>
+          <a:prstGeom prst="rect">
+            <a:avLst/>
+          </a:prstGeom>
+          <a:solidFill>
+            <a:schemeClr val="bg2">
+              <a:lumMod val="25000"/>
+            </a:schemeClr>
+          </a:solidFill>
+        </p:spPr>
+        <p:style>
+          <a:lnRef idx="2">
+            <a:schemeClr val="accent1">
+              <a:shade val="50000"/>
+            </a:schemeClr>
+          </a:lnRef>
+          <a:fillRef idx="1">
+            <a:schemeClr val="accent1"/>
+          </a:fillRef>
+          <a:effectRef idx="0">
+            <a:schemeClr val="accent1"/>
+          </a:effectRef>
+          <a:fontRef idx="minor">
+            <a:schemeClr val="lt1"/>
+          </a:fontRef>
+        </p:style>
+        <p:txBody>
+          <a:bodyPr rtlCol="0" anchor="ctr"/>
+          <a:lstStyle/>
+          <a:p>
+            <a:pPr algn="ctr"/>
+            <a:r>
+              <a:rPr lang="en-US" altLang="ko-KR" sz="2400" dirty="0"/>
+              <a:t>contents</a:t>
+            </a:r>
+            <a:endParaRPr lang="ko-KR" altLang="en-US" sz="2400" dirty="0"/>
+          </a:p>
+        </p:txBody>
+      </p:sp>
+      <p:sp>
+        <p:nvSpPr>
+          <p:cNvPr id="7" name="직사각형 6">
+            <a:extLst>
+              <a:ext uri="{FF2B5EF4-FFF2-40B4-BE49-F238E27FC236}">
+                <a16:creationId xmlns:a16="http://schemas.microsoft.com/office/drawing/2014/main" id="{54004FFC-C831-462E-A4AB-2B66067C11D7}"/>
+              </a:ext>
+            </a:extLst>
+          </p:cNvPr>
+          <p:cNvSpPr/>
+          <p:nvPr/>
+        </p:nvSpPr>
+        <p:spPr>
+          <a:xfrm>
+            <a:off x="2321052" y="5422392"/>
+            <a:ext cx="7589520" cy="960120"/>
+          </a:xfrm>
+          <a:prstGeom prst="rect">
+            <a:avLst/>
+          </a:prstGeom>
+          <a:solidFill>
+            <a:schemeClr val="bg2">
+              <a:lumMod val="10000"/>
+            </a:schemeClr>
+          </a:solidFill>
+        </p:spPr>
+        <p:style>
+          <a:lnRef idx="2">
+            <a:schemeClr val="accent1">
+              <a:shade val="50000"/>
+            </a:schemeClr>
+          </a:lnRef>
+          <a:fillRef idx="1">
+            <a:schemeClr val="accent1"/>
+          </a:fillRef>
+          <a:effectRef idx="0">
+            <a:schemeClr val="accent1"/>
+          </a:effectRef>
+          <a:fontRef idx="minor">
+            <a:schemeClr val="lt1"/>
+          </a:fontRef>
+        </p:style>
+        <p:txBody>
+          <a:bodyPr rtlCol="0" anchor="ctr"/>
+          <a:lstStyle/>
+          <a:p>
+            <a:pPr algn="ctr"/>
+            <a:r>
+              <a:rPr lang="en-US" altLang="ko-KR" sz="2400" dirty="0"/>
+              <a:t>footer</a:t>
+            </a:r>
+            <a:endParaRPr lang="ko-KR" altLang="en-US" sz="2400" dirty="0"/>
+          </a:p>
+        </p:txBody>
+      </p:sp>
+      <p:sp>
+        <p:nvSpPr>
+          <p:cNvPr id="2" name="직사각형 1">
+            <a:extLst>
+              <a:ext uri="{FF2B5EF4-FFF2-40B4-BE49-F238E27FC236}">
+                <a16:creationId xmlns:a16="http://schemas.microsoft.com/office/drawing/2014/main" id="{1DA04FF0-19E6-44F6-9933-95576B66F89C}"/>
+              </a:ext>
+            </a:extLst>
+          </p:cNvPr>
+          <p:cNvSpPr/>
+          <p:nvPr/>
+        </p:nvSpPr>
+        <p:spPr>
+          <a:xfrm>
+            <a:off x="2304288" y="274320"/>
+            <a:ext cx="7589520" cy="6108192"/>
+          </a:xfrm>
+          <a:prstGeom prst="rect">
+            <a:avLst/>
+          </a:prstGeom>
+          <a:noFill/>
+        </p:spPr>
+        <p:style>
+          <a:lnRef idx="2">
+            <a:schemeClr val="accent1">
+              <a:shade val="50000"/>
+            </a:schemeClr>
+          </a:lnRef>
+          <a:fillRef idx="1">
+            <a:schemeClr val="accent1"/>
+          </a:fillRef>
+          <a:effectRef idx="0">
+            <a:schemeClr val="accent1"/>
+          </a:effectRef>
+          <a:fontRef idx="minor">
+            <a:schemeClr val="lt1"/>
+          </a:fontRef>
+        </p:style>
+        <p:txBody>
+          <a:bodyPr rtlCol="0" anchor="ctr"/>
+          <a:lstStyle/>
+          <a:p>
+            <a:pPr algn="ctr"/>
+            <a:endParaRPr lang="ko-KR" altLang="en-US"/>
+          </a:p>
+        </p:txBody>
+      </p:sp>
+      <p:sp>
+        <p:nvSpPr>
+          <p:cNvPr id="3" name="TextBox 2">
+            <a:extLst>
+              <a:ext uri="{FF2B5EF4-FFF2-40B4-BE49-F238E27FC236}">
+                <a16:creationId xmlns:a16="http://schemas.microsoft.com/office/drawing/2014/main" id="{6A9CF7D5-E840-4816-9D3B-DACE4808E70A}"/>
+              </a:ext>
+            </a:extLst>
+          </p:cNvPr>
+          <p:cNvSpPr txBox="1"/>
+          <p:nvPr/>
+        </p:nvSpPr>
+        <p:spPr>
+          <a:xfrm>
+            <a:off x="1325880" y="274320"/>
+            <a:ext cx="864339" cy="461665"/>
+          </a:xfrm>
+          <a:prstGeom prst="rect">
+            <a:avLst/>
+          </a:prstGeom>
+          <a:noFill/>
+        </p:spPr>
+        <p:txBody>
+          <a:bodyPr wrap="none" rtlCol="0">
+            <a:spAutoFit/>
+          </a:bodyPr>
+          <a:lstStyle/>
+          <a:p>
+            <a:r>
+              <a:rPr lang="en-US" altLang="ko-KR" sz="2400" dirty="0"/>
+              <a:t>wrap</a:t>
+            </a:r>
+            <a:endParaRPr lang="ko-KR" altLang="en-US" sz="2400" dirty="0"/>
+          </a:p>
+        </p:txBody>
+      </p:sp>
+      <p:sp>
+        <p:nvSpPr>
+          <p:cNvPr id="14" name="직사각형 13">
+            <a:extLst>
+              <a:ext uri="{FF2B5EF4-FFF2-40B4-BE49-F238E27FC236}">
+                <a16:creationId xmlns:a16="http://schemas.microsoft.com/office/drawing/2014/main" id="{0079CE41-245E-491D-AEE9-C331F8E22EC2}"/>
+              </a:ext>
+            </a:extLst>
+          </p:cNvPr>
+          <p:cNvSpPr/>
+          <p:nvPr/>
+        </p:nvSpPr>
+        <p:spPr>
+          <a:xfrm>
+            <a:off x="2321052" y="505152"/>
+            <a:ext cx="1482852" cy="603504"/>
+          </a:xfrm>
+          <a:prstGeom prst="rect">
+            <a:avLst/>
+          </a:prstGeom>
+        </p:spPr>
+        <p:style>
+          <a:lnRef idx="2">
+            <a:schemeClr val="accent1">
+              <a:shade val="50000"/>
+            </a:schemeClr>
+          </a:lnRef>
+          <a:fillRef idx="1">
+            <a:schemeClr val="accent1"/>
+          </a:fillRef>
+          <a:effectRef idx="0">
+            <a:schemeClr val="accent1"/>
+          </a:effectRef>
+          <a:fontRef idx="minor">
+            <a:schemeClr val="lt1"/>
+          </a:fontRef>
+        </p:style>
+        <p:txBody>
+          <a:bodyPr rtlCol="0" anchor="ctr"/>
+          <a:lstStyle/>
+          <a:p>
+            <a:pPr algn="ctr"/>
+            <a:r>
+              <a:rPr lang="en-US" altLang="ko-KR" dirty="0"/>
+              <a:t>logo</a:t>
+            </a:r>
+            <a:endParaRPr lang="ko-KR" altLang="en-US" dirty="0"/>
+          </a:p>
+        </p:txBody>
+      </p:sp>
+      <p:sp>
+        <p:nvSpPr>
+          <p:cNvPr id="18" name="직사각형 17">
+            <a:extLst>
+              <a:ext uri="{FF2B5EF4-FFF2-40B4-BE49-F238E27FC236}">
+                <a16:creationId xmlns:a16="http://schemas.microsoft.com/office/drawing/2014/main" id="{B25BA974-E33A-416C-B749-835661F8A16A}"/>
+              </a:ext>
+            </a:extLst>
+          </p:cNvPr>
+          <p:cNvSpPr/>
+          <p:nvPr/>
+        </p:nvSpPr>
+        <p:spPr>
+          <a:xfrm>
+            <a:off x="2304288" y="1243477"/>
+            <a:ext cx="7606284" cy="480167"/>
+          </a:xfrm>
+          <a:prstGeom prst="rect">
+            <a:avLst/>
+          </a:prstGeom>
+        </p:spPr>
+        <p:style>
+          <a:lnRef idx="2">
+            <a:schemeClr val="accent1">
+              <a:shade val="50000"/>
+            </a:schemeClr>
+          </a:lnRef>
+          <a:fillRef idx="1">
+            <a:schemeClr val="accent1"/>
+          </a:fillRef>
+          <a:effectRef idx="0">
+            <a:schemeClr val="accent1"/>
+          </a:effectRef>
+          <a:fontRef idx="minor">
+            <a:schemeClr val="lt1"/>
+          </a:fontRef>
+        </p:style>
+        <p:txBody>
+          <a:bodyPr rtlCol="0" anchor="ctr"/>
+          <a:lstStyle/>
+          <a:p>
+            <a:pPr algn="ctr"/>
+            <a:r>
+              <a:rPr lang="en-US" altLang="ko-KR" dirty="0"/>
+              <a:t>Menu01 </a:t>
+            </a:r>
+            <a:r>
+              <a:rPr lang="en-US" altLang="ko-KR" dirty="0" smtClean="0"/>
+              <a:t>       </a:t>
+            </a:r>
+            <a:r>
+              <a:rPr lang="en-US" altLang="ko-KR" dirty="0"/>
+              <a:t>menu02   </a:t>
+            </a:r>
+            <a:r>
+              <a:rPr lang="en-US" altLang="ko-KR" dirty="0" smtClean="0"/>
+              <a:t>     </a:t>
+            </a:r>
+            <a:r>
+              <a:rPr lang="en-US" altLang="ko-KR" dirty="0"/>
+              <a:t>menu03 </a:t>
+            </a:r>
+            <a:r>
+              <a:rPr lang="en-US" altLang="ko-KR" dirty="0" smtClean="0"/>
+              <a:t>       </a:t>
+            </a:r>
+            <a:r>
+              <a:rPr lang="en-US" altLang="ko-KR" dirty="0"/>
+              <a:t>menu04 </a:t>
+            </a:r>
+            <a:r>
+              <a:rPr lang="en-US" altLang="ko-KR" dirty="0" smtClean="0"/>
+              <a:t>       </a:t>
+            </a:r>
+            <a:r>
+              <a:rPr lang="en-US" altLang="ko-KR" dirty="0"/>
+              <a:t>menu05</a:t>
+            </a:r>
+            <a:endParaRPr lang="ko-KR" altLang="en-US" dirty="0"/>
+          </a:p>
+        </p:txBody>
+      </p:sp>
+    </p:spTree>
+    <p:extLst>
+      <p:ext uri="{BB962C8B-B14F-4D97-AF65-F5344CB8AC3E}">
+        <p14:creationId xmlns:p14="http://schemas.microsoft.com/office/powerpoint/2010/main" val="2933791858"/>
       </p:ext>
     </p:extLst>
   </p:cSld>
